--- a/Microsoft Agent Framework.pptx
+++ b/Microsoft Agent Framework.pptx
@@ -9,7 +9,8 @@
     <p:sldId id="261" r:id="rId3"/>
     <p:sldId id="260" r:id="rId4"/>
     <p:sldId id="262" r:id="rId5"/>
-    <p:sldId id="259" r:id="rId6"/>
+    <p:sldId id="263" r:id="rId6"/>
+    <p:sldId id="259" r:id="rId7"/>
   </p:sldIdLst>
   <p:sldSz cx="12192000" cy="6858000"/>
   <p:notesSz cx="6858000" cy="9144000"/>
@@ -265,7 +266,7 @@
           <a:p>
             <a:fld id="{6A933FF7-048F-4924-9250-E8344A1DB8C9}" type="datetimeFigureOut">
               <a:rPr lang="en-GB" smtClean="0"/>
-              <a:t>01/02/2026</a:t>
+              <a:t>03/02/2026</a:t>
             </a:fld>
             <a:endParaRPr lang="en-GB"/>
           </a:p>
@@ -465,7 +466,7 @@
           <a:p>
             <a:fld id="{6A933FF7-048F-4924-9250-E8344A1DB8C9}" type="datetimeFigureOut">
               <a:rPr lang="en-GB" smtClean="0"/>
-              <a:t>01/02/2026</a:t>
+              <a:t>03/02/2026</a:t>
             </a:fld>
             <a:endParaRPr lang="en-GB"/>
           </a:p>
@@ -675,7 +676,7 @@
           <a:p>
             <a:fld id="{6A933FF7-048F-4924-9250-E8344A1DB8C9}" type="datetimeFigureOut">
               <a:rPr lang="en-GB" smtClean="0"/>
-              <a:t>01/02/2026</a:t>
+              <a:t>03/02/2026</a:t>
             </a:fld>
             <a:endParaRPr lang="en-GB"/>
           </a:p>
@@ -875,7 +876,7 @@
           <a:p>
             <a:fld id="{6A933FF7-048F-4924-9250-E8344A1DB8C9}" type="datetimeFigureOut">
               <a:rPr lang="en-GB" smtClean="0"/>
-              <a:t>01/02/2026</a:t>
+              <a:t>03/02/2026</a:t>
             </a:fld>
             <a:endParaRPr lang="en-GB"/>
           </a:p>
@@ -1151,7 +1152,7 @@
           <a:p>
             <a:fld id="{6A933FF7-048F-4924-9250-E8344A1DB8C9}" type="datetimeFigureOut">
               <a:rPr lang="en-GB" smtClean="0"/>
-              <a:t>01/02/2026</a:t>
+              <a:t>03/02/2026</a:t>
             </a:fld>
             <a:endParaRPr lang="en-GB"/>
           </a:p>
@@ -1419,7 +1420,7 @@
           <a:p>
             <a:fld id="{6A933FF7-048F-4924-9250-E8344A1DB8C9}" type="datetimeFigureOut">
               <a:rPr lang="en-GB" smtClean="0"/>
-              <a:t>01/02/2026</a:t>
+              <a:t>03/02/2026</a:t>
             </a:fld>
             <a:endParaRPr lang="en-GB"/>
           </a:p>
@@ -1834,7 +1835,7 @@
           <a:p>
             <a:fld id="{6A933FF7-048F-4924-9250-E8344A1DB8C9}" type="datetimeFigureOut">
               <a:rPr lang="en-GB" smtClean="0"/>
-              <a:t>01/02/2026</a:t>
+              <a:t>03/02/2026</a:t>
             </a:fld>
             <a:endParaRPr lang="en-GB"/>
           </a:p>
@@ -1976,7 +1977,7 @@
           <a:p>
             <a:fld id="{6A933FF7-048F-4924-9250-E8344A1DB8C9}" type="datetimeFigureOut">
               <a:rPr lang="en-GB" smtClean="0"/>
-              <a:t>01/02/2026</a:t>
+              <a:t>03/02/2026</a:t>
             </a:fld>
             <a:endParaRPr lang="en-GB"/>
           </a:p>
@@ -2127,7 +2128,7 @@
           <a:p>
             <a:fld id="{6A933FF7-048F-4924-9250-E8344A1DB8C9}" type="datetimeFigureOut">
               <a:rPr lang="en-GB" smtClean="0"/>
-              <a:t>01/02/2026</a:t>
+              <a:t>03/02/2026</a:t>
             </a:fld>
             <a:endParaRPr lang="en-GB"/>
           </a:p>
@@ -2440,7 +2441,7 @@
           <a:p>
             <a:fld id="{6A933FF7-048F-4924-9250-E8344A1DB8C9}" type="datetimeFigureOut">
               <a:rPr lang="en-GB" smtClean="0"/>
-              <a:t>01/02/2026</a:t>
+              <a:t>03/02/2026</a:t>
             </a:fld>
             <a:endParaRPr lang="en-GB"/>
           </a:p>
@@ -2729,7 +2730,7 @@
           <a:p>
             <a:fld id="{6A933FF7-048F-4924-9250-E8344A1DB8C9}" type="datetimeFigureOut">
               <a:rPr lang="en-GB" smtClean="0"/>
-              <a:t>01/02/2026</a:t>
+              <a:t>03/02/2026</a:t>
             </a:fld>
             <a:endParaRPr lang="en-GB"/>
           </a:p>
@@ -2972,7 +2973,7 @@
           <a:p>
             <a:fld id="{6A933FF7-048F-4924-9250-E8344A1DB8C9}" type="datetimeFigureOut">
               <a:rPr lang="en-GB" smtClean="0"/>
-              <a:t>01/02/2026</a:t>
+              <a:t>03/02/2026</a:t>
             </a:fld>
             <a:endParaRPr lang="en-GB"/>
           </a:p>
@@ -4129,13 +4130,13 @@
           <p:nvPr>
             <p:extLst>
               <p:ext uri="{D42A27DB-BD31-4B8C-83A1-F6EECF244321}">
-                <p14:modId xmlns:p14="http://schemas.microsoft.com/office/powerpoint/2010/main" val="3212412734"/>
+                <p14:modId xmlns:p14="http://schemas.microsoft.com/office/powerpoint/2010/main" val="1157570402"/>
               </p:ext>
             </p:extLst>
           </p:nvPr>
         </p:nvGraphicFramePr>
         <p:xfrm>
-          <a:off x="244928" y="367769"/>
+          <a:off x="244928" y="465740"/>
           <a:ext cx="11702143" cy="6126480"/>
         </p:xfrm>
         <a:graphic>
@@ -6592,6 +6593,183 @@
   <p:cSld>
     <p:spTree>
       <p:nvGrpSpPr>
+        <p:cNvPr id="1" name=""/>
+        <p:cNvGrpSpPr/>
+        <p:nvPr/>
+      </p:nvGrpSpPr>
+      <p:grpSpPr>
+        <a:xfrm>
+          <a:off x="0" y="0"/>
+          <a:ext cx="0" cy="0"/>
+          <a:chOff x="0" y="0"/>
+          <a:chExt cx="0" cy="0"/>
+        </a:xfrm>
+      </p:grpSpPr>
+      <p:sp>
+        <p:nvSpPr>
+          <p:cNvPr id="2" name="TextBox 1">
+            <a:extLst>
+              <a:ext uri="{FF2B5EF4-FFF2-40B4-BE49-F238E27FC236}">
+                <a16:creationId xmlns:a16="http://schemas.microsoft.com/office/drawing/2014/main" id="{A61C2E62-A3CF-FF3D-F3F9-5BD95E57E392}"/>
+              </a:ext>
+            </a:extLst>
+          </p:cNvPr>
+          <p:cNvSpPr txBox="1"/>
+          <p:nvPr/>
+        </p:nvSpPr>
+        <p:spPr>
+          <a:xfrm>
+            <a:off x="80119" y="0"/>
+            <a:ext cx="6738257" cy="369332"/>
+          </a:xfrm>
+          <a:prstGeom prst="rect">
+            <a:avLst/>
+          </a:prstGeom>
+          <a:noFill/>
+        </p:spPr>
+        <p:txBody>
+          <a:bodyPr wrap="square" rtlCol="0">
+            <a:spAutoFit/>
+          </a:bodyPr>
+          <a:lstStyle/>
+          <a:p>
+            <a:r>
+              <a:rPr lang="en-GB" dirty="0">
+                <a:latin typeface="Abadi" panose="020B0604020104020204" pitchFamily="34" charset="0"/>
+              </a:rPr>
+              <a:t>ORCHESTRATION PATTERNS</a:t>
+            </a:r>
+          </a:p>
+        </p:txBody>
+      </p:sp>
+      <p:sp>
+        <p:nvSpPr>
+          <p:cNvPr id="3" name="TextBox 2">
+            <a:extLst>
+              <a:ext uri="{FF2B5EF4-FFF2-40B4-BE49-F238E27FC236}">
+                <a16:creationId xmlns:a16="http://schemas.microsoft.com/office/drawing/2014/main" id="{65D80041-47A2-16A8-AB24-D1EDD5B40C0D}"/>
+              </a:ext>
+            </a:extLst>
+          </p:cNvPr>
+          <p:cNvSpPr txBox="1"/>
+          <p:nvPr/>
+        </p:nvSpPr>
+        <p:spPr>
+          <a:xfrm>
+            <a:off x="80119" y="493776"/>
+            <a:ext cx="3824370" cy="2400657"/>
+          </a:xfrm>
+          <a:prstGeom prst="rect">
+            <a:avLst/>
+          </a:prstGeom>
+          <a:noFill/>
+        </p:spPr>
+        <p:txBody>
+          <a:bodyPr wrap="square" rtlCol="0">
+            <a:spAutoFit/>
+          </a:bodyPr>
+          <a:lstStyle/>
+          <a:p>
+            <a:r>
+              <a:rPr lang="en-GB" b="1" dirty="0">
+                <a:latin typeface="Abadi" panose="020B0604020104020204" pitchFamily="34" charset="0"/>
+              </a:rPr>
+              <a:t>WORKFLOW BUILDING BLOCKS</a:t>
+            </a:r>
+          </a:p>
+          <a:p>
+            <a:r>
+              <a:rPr lang="en-GB" sz="1100" b="1" dirty="0">
+                <a:latin typeface="Abadi" panose="020B0604020104020204" pitchFamily="34" charset="0"/>
+              </a:rPr>
+              <a:t>Executors - </a:t>
+            </a:r>
+            <a:r>
+              <a:rPr lang="en-GB" sz="1100" dirty="0">
+                <a:latin typeface="Abadi" panose="020B0604020104020204" pitchFamily="34" charset="0"/>
+              </a:rPr>
+              <a:t> unit of work responsible for a single task. Communicate with each other using typed messages(well-structured and predictable data)</a:t>
+            </a:r>
+            <a:endParaRPr lang="en-GB" sz="1100" b="1" dirty="0">
+              <a:latin typeface="Abadi" panose="020B0604020104020204" pitchFamily="34" charset="0"/>
+            </a:endParaRPr>
+          </a:p>
+          <a:p>
+            <a:r>
+              <a:rPr lang="en-GB" sz="1100" b="1" dirty="0">
+                <a:latin typeface="Abadi" panose="020B0604020104020204" pitchFamily="34" charset="0"/>
+              </a:rPr>
+              <a:t>Edges – </a:t>
+            </a:r>
+            <a:r>
+              <a:rPr lang="en-GB" sz="1100" dirty="0">
+                <a:latin typeface="Abadi" panose="020B0604020104020204" pitchFamily="34" charset="0"/>
+              </a:rPr>
+              <a:t>connection between the executors</a:t>
+            </a:r>
+          </a:p>
+          <a:p>
+            <a:r>
+              <a:rPr lang="en-GB" sz="1100" b="1" dirty="0">
+                <a:latin typeface="Abadi" panose="020B0604020104020204" pitchFamily="34" charset="0"/>
+              </a:rPr>
+              <a:t>Events – </a:t>
+            </a:r>
+            <a:r>
+              <a:rPr lang="en-GB" sz="1100" dirty="0">
+                <a:latin typeface="Abadi" panose="020B0604020104020204" pitchFamily="34" charset="0"/>
+              </a:rPr>
+              <a:t>give workflow interactivity and observability, Pause &amp; resume, ask for user feedback, send output and observe what is happening at runtime</a:t>
+            </a:r>
+          </a:p>
+          <a:p>
+            <a:r>
+              <a:rPr lang="en-GB" sz="1100" b="1" dirty="0">
+                <a:latin typeface="Abadi" panose="020B0604020104020204" pitchFamily="34" charset="0"/>
+              </a:rPr>
+              <a:t>Shared states – </a:t>
+            </a:r>
+            <a:r>
+              <a:rPr lang="en-GB" sz="1100" dirty="0">
+                <a:latin typeface="Abadi" panose="020B0604020104020204" pitchFamily="34" charset="0"/>
+              </a:rPr>
+              <a:t>allow different executors to share context without sending messages back and forth</a:t>
+            </a:r>
+          </a:p>
+          <a:p>
+            <a:r>
+              <a:rPr lang="en-GB" sz="1100" b="1" dirty="0">
+                <a:latin typeface="Abadi" panose="020B0604020104020204" pitchFamily="34" charset="0"/>
+              </a:rPr>
+              <a:t>Checkpoints – </a:t>
+            </a:r>
+            <a:r>
+              <a:rPr lang="en-GB" sz="1100" dirty="0">
+                <a:latin typeface="Abadi" panose="020B0604020104020204" pitchFamily="34" charset="0"/>
+              </a:rPr>
+              <a:t>allow pausing and starting of workflows, Capture workflow state, enabling approvals and restarts with full traceability </a:t>
+            </a:r>
+          </a:p>
+        </p:txBody>
+      </p:sp>
+    </p:spTree>
+    <p:extLst>
+      <p:ext uri="{BB962C8B-B14F-4D97-AF65-F5344CB8AC3E}">
+        <p14:creationId xmlns:p14="http://schemas.microsoft.com/office/powerpoint/2010/main" val="503643493"/>
+      </p:ext>
+    </p:extLst>
+  </p:cSld>
+  <p:clrMapOvr>
+    <a:masterClrMapping/>
+  </p:clrMapOvr>
+</p:sld>
+</file>
+
+<file path=ppt/slides/slide6.xml><?xml version="1.0" encoding="utf-8"?>
+<p:sld xmlns:a="http://schemas.openxmlformats.org/drawingml/2006/main" xmlns:r="http://schemas.openxmlformats.org/officeDocument/2006/relationships" xmlns:p="http://schemas.openxmlformats.org/presentationml/2006/main">
+  <p:cSld>
+    <p:spTree>
+      <p:nvGrpSpPr>
         <p:cNvPr id="1" name="">
           <a:extLst>
             <a:ext uri="{FF2B5EF4-FFF2-40B4-BE49-F238E27FC236}">
